--- a/Presentation.Web/Presentations/DemoPresentationWithPython.pptx
+++ b/Presentation.Web/Presentations/DemoPresentationWithPython.pptx
@@ -151,7 +151,7 @@
                 <c:formatCode>General</c:formatCode>
                 <c:ptCount val="2"/>
                 <c:pt idx="0">
-                  <c:v>2</c:v>
+                  <c:v>6</c:v>
                 </c:pt>
                 <c:pt idx="1">
                   <c:v>12</c:v>
